--- a/assets/slides/09-Object_Oriented_Programming.pptx
+++ b/assets/slides/09-Object_Oriented_Programming.pptx
@@ -4924,8 +4924,21 @@
                 <a:ea typeface="ＭＳ Ｐゴシック" charset="0"/>
                 <a:cs typeface="ＭＳ Ｐゴシック" charset="0"/>
               </a:rPr>
-              <a:t>Lecture 8</a:t>
-            </a:r>
+              <a:t>Lecture </a:t>
+            </a:r>
+            <a:r>
+              <a:rPr lang="en-US" dirty="0" smtClean="0">
+                <a:latin typeface="Arial" charset="0"/>
+                <a:ea typeface="ＭＳ Ｐゴシック" charset="0"/>
+                <a:cs typeface="ＭＳ Ｐゴシック" charset="0"/>
+              </a:rPr>
+              <a:t>9</a:t>
+            </a:r>
+            <a:endParaRPr lang="en-US" dirty="0" smtClean="0">
+              <a:latin typeface="Arial" charset="0"/>
+              <a:ea typeface="ＭＳ Ｐゴシック" charset="0"/>
+              <a:cs typeface="ＭＳ Ｐゴシック" charset="0"/>
+            </a:endParaRPr>
           </a:p>
           <a:p>
             <a:r>
@@ -4934,31 +4947,7 @@
                 <a:ea typeface="ＭＳ Ｐゴシック" charset="0"/>
                 <a:cs typeface="ＭＳ Ｐゴシック" charset="0"/>
               </a:rPr>
-              <a:t>March </a:t>
-            </a:r>
-            <a:r>
-              <a:rPr lang="en-US" b="0" dirty="0" smtClean="0">
-                <a:latin typeface="Arial" charset="0"/>
-                <a:ea typeface="ＭＳ Ｐゴシック" charset="0"/>
-                <a:cs typeface="ＭＳ Ｐゴシック" charset="0"/>
-              </a:rPr>
-              <a:t>28</a:t>
-            </a:r>
-            <a:r>
-              <a:rPr lang="en-US" b="0" dirty="0" smtClean="0">
-                <a:latin typeface="Arial" charset="0"/>
-                <a:ea typeface="ＭＳ Ｐゴシック" charset="0"/>
-                <a:cs typeface="ＭＳ Ｐゴシック" charset="0"/>
-              </a:rPr>
-              <a:t>, </a:t>
-            </a:r>
-            <a:r>
-              <a:rPr lang="en-US" b="0" dirty="0" smtClean="0">
-                <a:latin typeface="Arial" charset="0"/>
-                <a:ea typeface="ＭＳ Ｐゴシック" charset="0"/>
-                <a:cs typeface="ＭＳ Ｐゴシック" charset="0"/>
-              </a:rPr>
-              <a:t>2016</a:t>
+              <a:t>March 28, 2016</a:t>
             </a:r>
             <a:endParaRPr lang="en-US" b="0" dirty="0">
               <a:latin typeface="Arial" charset="0"/>
@@ -12693,11 +12682,7 @@
             <a:pPr lvl="1"/>
             <a:r>
               <a:rPr lang="en-US" dirty="0" smtClean="0"/>
-              <a:t>Thurs 9 - </a:t>
-            </a:r>
-            <a:r>
-              <a:rPr lang="en-US" dirty="0" smtClean="0"/>
-              <a:t>1</a:t>
+              <a:t>Thurs 9 - 1</a:t>
             </a:r>
             <a:endParaRPr lang="en-US" dirty="0"/>
           </a:p>
